--- a/presentations/2_CatchmentScaleProcesses.pptx
+++ b/presentations/2_CatchmentScaleProcesses.pptx
@@ -4,12 +4,17 @@
   <p:sldMasterIdLst>
     <p:sldMasterId id="2147483648" r:id="rId1"/>
   </p:sldMasterIdLst>
+  <p:notesMasterIdLst>
+    <p:notesMasterId r:id="rId9"/>
+  </p:notesMasterIdLst>
   <p:sldIdLst>
     <p:sldId id="256" r:id="rId2"/>
     <p:sldId id="258" r:id="rId3"/>
     <p:sldId id="259" r:id="rId4"/>
-    <p:sldId id="260" r:id="rId5"/>
-    <p:sldId id="261" r:id="rId6"/>
+    <p:sldId id="262" r:id="rId5"/>
+    <p:sldId id="345" r:id="rId6"/>
+    <p:sldId id="260" r:id="rId7"/>
+    <p:sldId id="261" r:id="rId8"/>
   </p:sldIdLst>
   <p:sldSz cx="12192000" cy="6858000"/>
   <p:notesSz cx="6858000" cy="9144000"/>
@@ -108,7 +113,636 @@
       </a:defRPr>
     </a:lvl9pPr>
   </p:defaultTextStyle>
+  <p:extLst>
+    <p:ext uri="{EFAFB233-063F-42B5-8137-9DF3F51BA10A}">
+      <p15:sldGuideLst xmlns:p15="http://schemas.microsoft.com/office/powerpoint/2012/main"/>
+    </p:ext>
+  </p:extLst>
 </p:presentation>
+</file>
+
+<file path=ppt/notesMasters/notesMaster1.xml><?xml version="1.0" encoding="utf-8"?>
+<p:notesMaster xmlns:a="http://schemas.openxmlformats.org/drawingml/2006/main" xmlns:r="http://schemas.openxmlformats.org/officeDocument/2006/relationships" xmlns:p="http://schemas.openxmlformats.org/presentationml/2006/main">
+  <p:cSld>
+    <p:bg>
+      <p:bgRef idx="1001">
+        <a:schemeClr val="bg1"/>
+      </p:bgRef>
+    </p:bg>
+    <p:spTree>
+      <p:nvGrpSpPr>
+        <p:cNvPr id="1" name=""/>
+        <p:cNvGrpSpPr/>
+        <p:nvPr/>
+      </p:nvGrpSpPr>
+      <p:grpSpPr>
+        <a:xfrm>
+          <a:off x="0" y="0"/>
+          <a:ext cx="0" cy="0"/>
+          <a:chOff x="0" y="0"/>
+          <a:chExt cx="0" cy="0"/>
+        </a:xfrm>
+      </p:grpSpPr>
+      <p:sp>
+        <p:nvSpPr>
+          <p:cNvPr id="2" name="Header Placeholder 1"/>
+          <p:cNvSpPr>
+            <a:spLocks noGrp="1"/>
+          </p:cNvSpPr>
+          <p:nvPr>
+            <p:ph type="hdr" sz="quarter"/>
+          </p:nvPr>
+        </p:nvSpPr>
+        <p:spPr>
+          <a:xfrm>
+            <a:off x="0" y="0"/>
+            <a:ext cx="2971800" cy="458788"/>
+          </a:xfrm>
+          <a:prstGeom prst="rect">
+            <a:avLst/>
+          </a:prstGeom>
+        </p:spPr>
+        <p:txBody>
+          <a:bodyPr vert="horz" lIns="91440" tIns="45720" rIns="91440" bIns="45720" rtlCol="0"/>
+          <a:lstStyle>
+            <a:lvl1pPr algn="l">
+              <a:defRPr sz="1200"/>
+            </a:lvl1pPr>
+          </a:lstStyle>
+          <a:p>
+            <a:endParaRPr lang="en-US"/>
+          </a:p>
+        </p:txBody>
+      </p:sp>
+      <p:sp>
+        <p:nvSpPr>
+          <p:cNvPr id="3" name="Date Placeholder 2"/>
+          <p:cNvSpPr>
+            <a:spLocks noGrp="1"/>
+          </p:cNvSpPr>
+          <p:nvPr>
+            <p:ph type="dt" idx="1"/>
+          </p:nvPr>
+        </p:nvSpPr>
+        <p:spPr>
+          <a:xfrm>
+            <a:off x="3884613" y="0"/>
+            <a:ext cx="2971800" cy="458788"/>
+          </a:xfrm>
+          <a:prstGeom prst="rect">
+            <a:avLst/>
+          </a:prstGeom>
+        </p:spPr>
+        <p:txBody>
+          <a:bodyPr vert="horz" lIns="91440" tIns="45720" rIns="91440" bIns="45720" rtlCol="0"/>
+          <a:lstStyle>
+            <a:lvl1pPr algn="r">
+              <a:defRPr sz="1200"/>
+            </a:lvl1pPr>
+          </a:lstStyle>
+          <a:p>
+            <a:fld id="{F404C2D1-BACF-9345-ACBC-63896DABCE31}" type="datetimeFigureOut">
+              <a:rPr lang="en-US" smtClean="0"/>
+              <a:t>4/18/21</a:t>
+            </a:fld>
+            <a:endParaRPr lang="en-US"/>
+          </a:p>
+        </p:txBody>
+      </p:sp>
+      <p:sp>
+        <p:nvSpPr>
+          <p:cNvPr id="4" name="Slide Image Placeholder 3"/>
+          <p:cNvSpPr>
+            <a:spLocks noGrp="1" noRot="1" noChangeAspect="1"/>
+          </p:cNvSpPr>
+          <p:nvPr>
+            <p:ph type="sldImg" idx="2"/>
+          </p:nvPr>
+        </p:nvSpPr>
+        <p:spPr>
+          <a:xfrm>
+            <a:off x="685800" y="1143000"/>
+            <a:ext cx="5486400" cy="3086100"/>
+          </a:xfrm>
+          <a:prstGeom prst="rect">
+            <a:avLst/>
+          </a:prstGeom>
+          <a:noFill/>
+          <a:ln w="12700">
+            <a:solidFill>
+              <a:prstClr val="black"/>
+            </a:solidFill>
+          </a:ln>
+        </p:spPr>
+        <p:txBody>
+          <a:bodyPr vert="horz" lIns="91440" tIns="45720" rIns="91440" bIns="45720" rtlCol="0" anchor="ctr"/>
+          <a:lstStyle/>
+          <a:p>
+            <a:endParaRPr lang="en-US"/>
+          </a:p>
+        </p:txBody>
+      </p:sp>
+      <p:sp>
+        <p:nvSpPr>
+          <p:cNvPr id="5" name="Notes Placeholder 4"/>
+          <p:cNvSpPr>
+            <a:spLocks noGrp="1"/>
+          </p:cNvSpPr>
+          <p:nvPr>
+            <p:ph type="body" sz="quarter" idx="3"/>
+          </p:nvPr>
+        </p:nvSpPr>
+        <p:spPr>
+          <a:xfrm>
+            <a:off x="685800" y="4400550"/>
+            <a:ext cx="5486400" cy="3600450"/>
+          </a:xfrm>
+          <a:prstGeom prst="rect">
+            <a:avLst/>
+          </a:prstGeom>
+        </p:spPr>
+        <p:txBody>
+          <a:bodyPr vert="horz" lIns="91440" tIns="45720" rIns="91440" bIns="45720" rtlCol="0"/>
+          <a:lstStyle/>
+          <a:p>
+            <a:pPr lvl="0"/>
+            <a:r>
+              <a:rPr lang="en-GB"/>
+              <a:t>Click to edit Master text styles</a:t>
+            </a:r>
+          </a:p>
+          <a:p>
+            <a:pPr lvl="1"/>
+            <a:r>
+              <a:rPr lang="en-GB"/>
+              <a:t>Second level</a:t>
+            </a:r>
+          </a:p>
+          <a:p>
+            <a:pPr lvl="2"/>
+            <a:r>
+              <a:rPr lang="en-GB"/>
+              <a:t>Third level</a:t>
+            </a:r>
+          </a:p>
+          <a:p>
+            <a:pPr lvl="3"/>
+            <a:r>
+              <a:rPr lang="en-GB"/>
+              <a:t>Fourth level</a:t>
+            </a:r>
+          </a:p>
+          <a:p>
+            <a:pPr lvl="4"/>
+            <a:r>
+              <a:rPr lang="en-GB"/>
+              <a:t>Fifth level</a:t>
+            </a:r>
+            <a:endParaRPr lang="en-US"/>
+          </a:p>
+        </p:txBody>
+      </p:sp>
+      <p:sp>
+        <p:nvSpPr>
+          <p:cNvPr id="6" name="Footer Placeholder 5"/>
+          <p:cNvSpPr>
+            <a:spLocks noGrp="1"/>
+          </p:cNvSpPr>
+          <p:nvPr>
+            <p:ph type="ftr" sz="quarter" idx="4"/>
+          </p:nvPr>
+        </p:nvSpPr>
+        <p:spPr>
+          <a:xfrm>
+            <a:off x="0" y="8685213"/>
+            <a:ext cx="2971800" cy="458787"/>
+          </a:xfrm>
+          <a:prstGeom prst="rect">
+            <a:avLst/>
+          </a:prstGeom>
+        </p:spPr>
+        <p:txBody>
+          <a:bodyPr vert="horz" lIns="91440" tIns="45720" rIns="91440" bIns="45720" rtlCol="0" anchor="b"/>
+          <a:lstStyle>
+            <a:lvl1pPr algn="l">
+              <a:defRPr sz="1200"/>
+            </a:lvl1pPr>
+          </a:lstStyle>
+          <a:p>
+            <a:endParaRPr lang="en-US"/>
+          </a:p>
+        </p:txBody>
+      </p:sp>
+      <p:sp>
+        <p:nvSpPr>
+          <p:cNvPr id="7" name="Slide Number Placeholder 6"/>
+          <p:cNvSpPr>
+            <a:spLocks noGrp="1"/>
+          </p:cNvSpPr>
+          <p:nvPr>
+            <p:ph type="sldNum" sz="quarter" idx="5"/>
+          </p:nvPr>
+        </p:nvSpPr>
+        <p:spPr>
+          <a:xfrm>
+            <a:off x="3884613" y="8685213"/>
+            <a:ext cx="2971800" cy="458787"/>
+          </a:xfrm>
+          <a:prstGeom prst="rect">
+            <a:avLst/>
+          </a:prstGeom>
+        </p:spPr>
+        <p:txBody>
+          <a:bodyPr vert="horz" lIns="91440" tIns="45720" rIns="91440" bIns="45720" rtlCol="0" anchor="b"/>
+          <a:lstStyle>
+            <a:lvl1pPr algn="r">
+              <a:defRPr sz="1200"/>
+            </a:lvl1pPr>
+          </a:lstStyle>
+          <a:p>
+            <a:fld id="{63338C33-3DCA-4A41-A35F-A7D10F01C683}" type="slidenum">
+              <a:rPr lang="en-US" smtClean="0"/>
+              <a:t>‹#›</a:t>
+            </a:fld>
+            <a:endParaRPr lang="en-US"/>
+          </a:p>
+        </p:txBody>
+      </p:sp>
+    </p:spTree>
+    <p:extLst>
+      <p:ext uri="{BB962C8B-B14F-4D97-AF65-F5344CB8AC3E}">
+        <p14:creationId xmlns:p14="http://schemas.microsoft.com/office/powerpoint/2010/main" val="1039768252"/>
+      </p:ext>
+    </p:extLst>
+  </p:cSld>
+  <p:clrMap bg1="lt1" tx1="dk1" bg2="lt2" tx2="dk2" accent1="accent1" accent2="accent2" accent3="accent3" accent4="accent4" accent5="accent5" accent6="accent6" hlink="hlink" folHlink="folHlink"/>
+  <p:notesStyle>
+    <a:lvl1pPr marL="0" algn="l" defTabSz="914400" rtl="0" eaLnBrk="1" latinLnBrk="0" hangingPunct="1">
+      <a:defRPr sz="1200" kern="1200">
+        <a:solidFill>
+          <a:schemeClr val="tx1"/>
+        </a:solidFill>
+        <a:latin typeface="+mn-lt"/>
+        <a:ea typeface="+mn-ea"/>
+        <a:cs typeface="+mn-cs"/>
+      </a:defRPr>
+    </a:lvl1pPr>
+    <a:lvl2pPr marL="457200" algn="l" defTabSz="914400" rtl="0" eaLnBrk="1" latinLnBrk="0" hangingPunct="1">
+      <a:defRPr sz="1200" kern="1200">
+        <a:solidFill>
+          <a:schemeClr val="tx1"/>
+        </a:solidFill>
+        <a:latin typeface="+mn-lt"/>
+        <a:ea typeface="+mn-ea"/>
+        <a:cs typeface="+mn-cs"/>
+      </a:defRPr>
+    </a:lvl2pPr>
+    <a:lvl3pPr marL="914400" algn="l" defTabSz="914400" rtl="0" eaLnBrk="1" latinLnBrk="0" hangingPunct="1">
+      <a:defRPr sz="1200" kern="1200">
+        <a:solidFill>
+          <a:schemeClr val="tx1"/>
+        </a:solidFill>
+        <a:latin typeface="+mn-lt"/>
+        <a:ea typeface="+mn-ea"/>
+        <a:cs typeface="+mn-cs"/>
+      </a:defRPr>
+    </a:lvl3pPr>
+    <a:lvl4pPr marL="1371600" algn="l" defTabSz="914400" rtl="0" eaLnBrk="1" latinLnBrk="0" hangingPunct="1">
+      <a:defRPr sz="1200" kern="1200">
+        <a:solidFill>
+          <a:schemeClr val="tx1"/>
+        </a:solidFill>
+        <a:latin typeface="+mn-lt"/>
+        <a:ea typeface="+mn-ea"/>
+        <a:cs typeface="+mn-cs"/>
+      </a:defRPr>
+    </a:lvl4pPr>
+    <a:lvl5pPr marL="1828800" algn="l" defTabSz="914400" rtl="0" eaLnBrk="1" latinLnBrk="0" hangingPunct="1">
+      <a:defRPr sz="1200" kern="1200">
+        <a:solidFill>
+          <a:schemeClr val="tx1"/>
+        </a:solidFill>
+        <a:latin typeface="+mn-lt"/>
+        <a:ea typeface="+mn-ea"/>
+        <a:cs typeface="+mn-cs"/>
+      </a:defRPr>
+    </a:lvl5pPr>
+    <a:lvl6pPr marL="2286000" algn="l" defTabSz="914400" rtl="0" eaLnBrk="1" latinLnBrk="0" hangingPunct="1">
+      <a:defRPr sz="1200" kern="1200">
+        <a:solidFill>
+          <a:schemeClr val="tx1"/>
+        </a:solidFill>
+        <a:latin typeface="+mn-lt"/>
+        <a:ea typeface="+mn-ea"/>
+        <a:cs typeface="+mn-cs"/>
+      </a:defRPr>
+    </a:lvl6pPr>
+    <a:lvl7pPr marL="2743200" algn="l" defTabSz="914400" rtl="0" eaLnBrk="1" latinLnBrk="0" hangingPunct="1">
+      <a:defRPr sz="1200" kern="1200">
+        <a:solidFill>
+          <a:schemeClr val="tx1"/>
+        </a:solidFill>
+        <a:latin typeface="+mn-lt"/>
+        <a:ea typeface="+mn-ea"/>
+        <a:cs typeface="+mn-cs"/>
+      </a:defRPr>
+    </a:lvl7pPr>
+    <a:lvl8pPr marL="3200400" algn="l" defTabSz="914400" rtl="0" eaLnBrk="1" latinLnBrk="0" hangingPunct="1">
+      <a:defRPr sz="1200" kern="1200">
+        <a:solidFill>
+          <a:schemeClr val="tx1"/>
+        </a:solidFill>
+        <a:latin typeface="+mn-lt"/>
+        <a:ea typeface="+mn-ea"/>
+        <a:cs typeface="+mn-cs"/>
+      </a:defRPr>
+    </a:lvl8pPr>
+    <a:lvl9pPr marL="3657600" algn="l" defTabSz="914400" rtl="0" eaLnBrk="1" latinLnBrk="0" hangingPunct="1">
+      <a:defRPr sz="1200" kern="1200">
+        <a:solidFill>
+          <a:schemeClr val="tx1"/>
+        </a:solidFill>
+        <a:latin typeface="+mn-lt"/>
+        <a:ea typeface="+mn-ea"/>
+        <a:cs typeface="+mn-cs"/>
+      </a:defRPr>
+    </a:lvl9pPr>
+  </p:notesStyle>
+</p:notesMaster>
+</file>
+
+<file path=ppt/notesSlides/notesSlide1.xml><?xml version="1.0" encoding="utf-8"?>
+<p:notes xmlns:a="http://schemas.openxmlformats.org/drawingml/2006/main" xmlns:r="http://schemas.openxmlformats.org/officeDocument/2006/relationships" xmlns:p="http://schemas.openxmlformats.org/presentationml/2006/main">
+  <p:cSld>
+    <p:spTree>
+      <p:nvGrpSpPr>
+        <p:cNvPr id="1" name=""/>
+        <p:cNvGrpSpPr/>
+        <p:nvPr/>
+      </p:nvGrpSpPr>
+      <p:grpSpPr>
+        <a:xfrm>
+          <a:off x="0" y="0"/>
+          <a:ext cx="0" cy="0"/>
+          <a:chOff x="0" y="0"/>
+          <a:chExt cx="0" cy="0"/>
+        </a:xfrm>
+      </p:grpSpPr>
+      <p:sp>
+        <p:nvSpPr>
+          <p:cNvPr id="64514" name="Slide Image Placeholder 1"/>
+          <p:cNvSpPr>
+            <a:spLocks noGrp="1" noRot="1" noChangeAspect="1" noTextEdit="1"/>
+          </p:cNvSpPr>
+          <p:nvPr>
+            <p:ph type="sldImg"/>
+          </p:nvPr>
+        </p:nvSpPr>
+        <p:spPr bwMode="auto">
+          <a:noFill/>
+          <a:ln>
+            <a:solidFill>
+              <a:srgbClr val="000000"/>
+            </a:solidFill>
+            <a:miter lim="800000"/>
+            <a:headEnd/>
+            <a:tailEnd/>
+          </a:ln>
+        </p:spPr>
+      </p:sp>
+      <p:sp>
+        <p:nvSpPr>
+          <p:cNvPr id="64515" name="Notes Placeholder 2"/>
+          <p:cNvSpPr>
+            <a:spLocks noGrp="1"/>
+          </p:cNvSpPr>
+          <p:nvPr>
+            <p:ph type="body" idx="1"/>
+          </p:nvPr>
+        </p:nvSpPr>
+        <p:spPr bwMode="auto">
+          <a:noFill/>
+        </p:spPr>
+        <p:txBody>
+          <a:bodyPr wrap="square" numCol="1" anchor="t" anchorCtr="0" compatLnSpc="1">
+            <a:prstTxWarp prst="textNoShape">
+              <a:avLst/>
+            </a:prstTxWarp>
+          </a:bodyPr>
+          <a:lstStyle/>
+          <a:p>
+            <a:pPr>
+              <a:spcBef>
+                <a:spcPct val="0"/>
+              </a:spcBef>
+            </a:pPr>
+            <a:r>
+              <a:rPr lang="en-US" dirty="0"/>
+              <a:t>Globally, groundwater represents about 90% of available freshwater resources, excluding the resources locked in polar ice. </a:t>
+            </a:r>
+          </a:p>
+          <a:p>
+            <a:pPr>
+              <a:spcBef>
+                <a:spcPct val="0"/>
+              </a:spcBef>
+            </a:pPr>
+            <a:r>
+              <a:rPr lang="en-US" dirty="0"/>
+              <a:t>Nearly half of all freshwater used for drinking and irrigation worldwide is groundwater, linking the sustainability of groundwater resources to sustainable human development.</a:t>
+            </a:r>
+          </a:p>
+          <a:p>
+            <a:pPr>
+              <a:spcBef>
+                <a:spcPct val="0"/>
+              </a:spcBef>
+            </a:pPr>
+            <a:r>
+              <a:rPr lang="en-US" dirty="0"/>
+              <a:t>About 20% of irrigation worldwide, producing 40% of the food supply, is dependent upon groundwater. </a:t>
+            </a:r>
+          </a:p>
+          <a:p>
+            <a:pPr>
+              <a:spcBef>
+                <a:spcPct val="0"/>
+              </a:spcBef>
+            </a:pPr>
+            <a:r>
+              <a:rPr lang="en-US" dirty="0"/>
+              <a:t>It is estimated that nearly 10% of global food production may be dependent upon irrigation water extracted from fossil or non-renewable aquifers. </a:t>
+            </a:r>
+          </a:p>
+          <a:p>
+            <a:pPr>
+              <a:spcBef>
+                <a:spcPct val="0"/>
+              </a:spcBef>
+            </a:pPr>
+            <a:r>
+              <a:rPr lang="en-US" dirty="0"/>
+              <a:t>According to the Food and Agriculture Organization (FAO), the use of groundwater for irrigation over the last several decades probably has delayed the next food crisis. </a:t>
+            </a:r>
+          </a:p>
+          <a:p>
+            <a:pPr>
+              <a:spcBef>
+                <a:spcPct val="0"/>
+              </a:spcBef>
+            </a:pPr>
+            <a:endParaRPr lang="en-US" dirty="0"/>
+          </a:p>
+          <a:p>
+            <a:pPr>
+              <a:spcBef>
+                <a:spcPct val="0"/>
+              </a:spcBef>
+            </a:pPr>
+            <a:r>
+              <a:rPr lang="en-US" dirty="0"/>
+              <a:t>(Link: http://www.iaea.org/Publications/Magazines/Bulletin/Bull471/h20_know_how.html)</a:t>
+            </a:r>
+          </a:p>
+          <a:p>
+            <a:pPr>
+              <a:spcBef>
+                <a:spcPct val="0"/>
+              </a:spcBef>
+            </a:pPr>
+            <a:endParaRPr lang="de-CH" dirty="0"/>
+          </a:p>
+          <a:p>
+            <a:pPr>
+              <a:spcBef>
+                <a:spcPct val="0"/>
+              </a:spcBef>
+            </a:pPr>
+            <a:r>
+              <a:rPr lang="de-CH" dirty="0"/>
+              <a:t>Comparison: Lake Michigan Volume = 5‘000 km</a:t>
+            </a:r>
+            <a:r>
+              <a:rPr lang="de-CH" baseline="30000" dirty="0"/>
+              <a:t>3</a:t>
+            </a:r>
+          </a:p>
+          <a:p>
+            <a:pPr>
+              <a:spcBef>
+                <a:spcPct val="0"/>
+              </a:spcBef>
+            </a:pPr>
+            <a:endParaRPr lang="en-US" dirty="0"/>
+          </a:p>
+          <a:p>
+            <a:pPr>
+              <a:spcBef>
+                <a:spcPct val="0"/>
+              </a:spcBef>
+            </a:pPr>
+            <a:r>
+              <a:rPr lang="en-US" dirty="0"/>
+              <a:t>Soil moisture = 17</a:t>
+            </a:r>
+          </a:p>
+          <a:p>
+            <a:pPr>
+              <a:spcBef>
+                <a:spcPct val="0"/>
+              </a:spcBef>
+            </a:pPr>
+            <a:endParaRPr lang="en-US" dirty="0"/>
+          </a:p>
+          <a:p>
+            <a:pPr>
+              <a:spcBef>
+                <a:spcPct val="0"/>
+              </a:spcBef>
+            </a:pPr>
+            <a:r>
+              <a:rPr lang="en-US" dirty="0"/>
+              <a:t>-&gt; Calculate residence times!</a:t>
+            </a:r>
+          </a:p>
+          <a:p>
+            <a:pPr>
+              <a:spcBef>
+                <a:spcPct val="0"/>
+              </a:spcBef>
+            </a:pPr>
+            <a:endParaRPr lang="de-CH" dirty="0"/>
+          </a:p>
+          <a:p>
+            <a:pPr>
+              <a:spcBef>
+                <a:spcPct val="0"/>
+              </a:spcBef>
+            </a:pPr>
+            <a:r>
+              <a:rPr lang="de-CH" dirty="0"/>
+              <a:t>VW flux estimated for the period 1995-1999 (HoekstraGlobalSummary.pdf)</a:t>
+            </a:r>
+            <a:endParaRPr lang="en-US" dirty="0"/>
+          </a:p>
+        </p:txBody>
+      </p:sp>
+      <p:sp>
+        <p:nvSpPr>
+          <p:cNvPr id="64516" name="Slide Number Placeholder 3"/>
+          <p:cNvSpPr>
+            <a:spLocks noGrp="1"/>
+          </p:cNvSpPr>
+          <p:nvPr>
+            <p:ph type="sldNum" sz="quarter" idx="5"/>
+          </p:nvPr>
+        </p:nvSpPr>
+        <p:spPr bwMode="auto">
+          <a:noFill/>
+          <a:ln>
+            <a:miter lim="800000"/>
+            <a:headEnd/>
+            <a:tailEnd/>
+          </a:ln>
+        </p:spPr>
+        <p:txBody>
+          <a:bodyPr wrap="square" numCol="1" anchorCtr="0" compatLnSpc="1">
+            <a:prstTxWarp prst="textNoShape">
+              <a:avLst/>
+            </a:prstTxWarp>
+          </a:bodyPr>
+          <a:lstStyle/>
+          <a:p>
+            <a:pPr fontAlgn="base">
+              <a:spcBef>
+                <a:spcPct val="0"/>
+              </a:spcBef>
+              <a:spcAft>
+                <a:spcPct val="0"/>
+              </a:spcAft>
+            </a:pPr>
+            <a:fld id="{0D4E904F-411F-4410-BBC7-FD56DAFE859F}" type="slidenum">
+              <a:rPr lang="en-US"/>
+              <a:pPr fontAlgn="base">
+                <a:spcBef>
+                  <a:spcPct val="0"/>
+                </a:spcBef>
+                <a:spcAft>
+                  <a:spcPct val="0"/>
+                </a:spcAft>
+              </a:pPr>
+              <a:t>5</a:t>
+            </a:fld>
+            <a:endParaRPr lang="en-US"/>
+          </a:p>
+        </p:txBody>
+      </p:sp>
+    </p:spTree>
+  </p:cSld>
+  <p:clrMapOvr>
+    <a:masterClrMapping/>
+  </p:clrMapOvr>
+</p:notes>
 </file>
 
 <file path=ppt/slideLayouts/slideLayout1.xml><?xml version="1.0" encoding="utf-8"?>
@@ -260,7 +894,7 @@
           <a:p>
             <a:fld id="{3C723FD7-26ED-D44F-BAE4-1EC77C7CCFFE}" type="datetimeFigureOut">
               <a:rPr lang="en-US" smtClean="0"/>
-              <a:t>4/10/21</a:t>
+              <a:t>4/18/21</a:t>
             </a:fld>
             <a:endParaRPr lang="en-US"/>
           </a:p>
@@ -460,7 +1094,7 @@
           <a:p>
             <a:fld id="{3C723FD7-26ED-D44F-BAE4-1EC77C7CCFFE}" type="datetimeFigureOut">
               <a:rPr lang="en-US" smtClean="0"/>
-              <a:t>4/10/21</a:t>
+              <a:t>4/18/21</a:t>
             </a:fld>
             <a:endParaRPr lang="en-US"/>
           </a:p>
@@ -670,7 +1304,7 @@
           <a:p>
             <a:fld id="{3C723FD7-26ED-D44F-BAE4-1EC77C7CCFFE}" type="datetimeFigureOut">
               <a:rPr lang="en-US" smtClean="0"/>
-              <a:t>4/10/21</a:t>
+              <a:t>4/18/21</a:t>
             </a:fld>
             <a:endParaRPr lang="en-US"/>
           </a:p>
@@ -870,7 +1504,7 @@
           <a:p>
             <a:fld id="{3C723FD7-26ED-D44F-BAE4-1EC77C7CCFFE}" type="datetimeFigureOut">
               <a:rPr lang="en-US" smtClean="0"/>
-              <a:t>4/10/21</a:t>
+              <a:t>4/18/21</a:t>
             </a:fld>
             <a:endParaRPr lang="en-US"/>
           </a:p>
@@ -1146,7 +1780,7 @@
           <a:p>
             <a:fld id="{3C723FD7-26ED-D44F-BAE4-1EC77C7CCFFE}" type="datetimeFigureOut">
               <a:rPr lang="en-US" smtClean="0"/>
-              <a:t>4/10/21</a:t>
+              <a:t>4/18/21</a:t>
             </a:fld>
             <a:endParaRPr lang="en-US"/>
           </a:p>
@@ -1414,7 +2048,7 @@
           <a:p>
             <a:fld id="{3C723FD7-26ED-D44F-BAE4-1EC77C7CCFFE}" type="datetimeFigureOut">
               <a:rPr lang="en-US" smtClean="0"/>
-              <a:t>4/10/21</a:t>
+              <a:t>4/18/21</a:t>
             </a:fld>
             <a:endParaRPr lang="en-US"/>
           </a:p>
@@ -1829,7 +2463,7 @@
           <a:p>
             <a:fld id="{3C723FD7-26ED-D44F-BAE4-1EC77C7CCFFE}" type="datetimeFigureOut">
               <a:rPr lang="en-US" smtClean="0"/>
-              <a:t>4/10/21</a:t>
+              <a:t>4/18/21</a:t>
             </a:fld>
             <a:endParaRPr lang="en-US"/>
           </a:p>
@@ -1971,7 +2605,7 @@
           <a:p>
             <a:fld id="{3C723FD7-26ED-D44F-BAE4-1EC77C7CCFFE}" type="datetimeFigureOut">
               <a:rPr lang="en-US" smtClean="0"/>
-              <a:t>4/10/21</a:t>
+              <a:t>4/18/21</a:t>
             </a:fld>
             <a:endParaRPr lang="en-US"/>
           </a:p>
@@ -2084,7 +2718,7 @@
           <a:p>
             <a:fld id="{3C723FD7-26ED-D44F-BAE4-1EC77C7CCFFE}" type="datetimeFigureOut">
               <a:rPr lang="en-US" smtClean="0"/>
-              <a:t>4/10/21</a:t>
+              <a:t>4/18/21</a:t>
             </a:fld>
             <a:endParaRPr lang="en-US"/>
           </a:p>
@@ -2397,7 +3031,7 @@
           <a:p>
             <a:fld id="{3C723FD7-26ED-D44F-BAE4-1EC77C7CCFFE}" type="datetimeFigureOut">
               <a:rPr lang="en-US" smtClean="0"/>
-              <a:t>4/10/21</a:t>
+              <a:t>4/18/21</a:t>
             </a:fld>
             <a:endParaRPr lang="en-US"/>
           </a:p>
@@ -2686,7 +3320,7 @@
           <a:p>
             <a:fld id="{3C723FD7-26ED-D44F-BAE4-1EC77C7CCFFE}" type="datetimeFigureOut">
               <a:rPr lang="en-US" smtClean="0"/>
-              <a:t>4/10/21</a:t>
+              <a:t>4/18/21</a:t>
             </a:fld>
             <a:endParaRPr lang="en-US"/>
           </a:p>
@@ -2929,7 +3563,7 @@
           <a:p>
             <a:fld id="{3C723FD7-26ED-D44F-BAE4-1EC77C7CCFFE}" type="datetimeFigureOut">
               <a:rPr lang="en-US" smtClean="0"/>
-              <a:t>4/10/21</a:t>
+              <a:t>4/18/21</a:t>
             </a:fld>
             <a:endParaRPr lang="en-US"/>
           </a:p>
@@ -3684,6 +4318,866 @@
               <a:rPr lang="en-US" b="1" dirty="0">
                 <a:latin typeface="+mn-lt"/>
               </a:rPr>
+              <a:t>Global Water Balance</a:t>
+            </a:r>
+          </a:p>
+        </p:txBody>
+      </p:sp>
+      <p:pic>
+        <p:nvPicPr>
+          <p:cNvPr id="4" name="Content Placeholder 3" descr="hydrologicCycle.jpg">
+            <a:extLst>
+              <a:ext uri="{FF2B5EF4-FFF2-40B4-BE49-F238E27FC236}">
+                <a16:creationId xmlns:a16="http://schemas.microsoft.com/office/drawing/2014/main" id="{4773C786-CD61-7A4E-B09C-77774495732B}"/>
+              </a:ext>
+            </a:extLst>
+          </p:cNvPr>
+          <p:cNvPicPr>
+            <a:picLocks noGrp="1" noChangeAspect="1"/>
+          </p:cNvPicPr>
+          <p:nvPr>
+            <p:ph idx="1"/>
+          </p:nvPr>
+        </p:nvPicPr>
+        <p:blipFill>
+          <a:blip r:embed="rId2"/>
+          <a:srcRect/>
+          <a:stretch>
+            <a:fillRect/>
+          </a:stretch>
+        </p:blipFill>
+        <p:spPr>
+          <a:xfrm>
+            <a:off x="961296" y="1545127"/>
+            <a:ext cx="9144000" cy="5078413"/>
+          </a:xfrm>
+        </p:spPr>
+      </p:pic>
+      <p:sp>
+        <p:nvSpPr>
+          <p:cNvPr id="5" name="TextBox 4">
+            <a:extLst>
+              <a:ext uri="{FF2B5EF4-FFF2-40B4-BE49-F238E27FC236}">
+                <a16:creationId xmlns:a16="http://schemas.microsoft.com/office/drawing/2014/main" id="{2FDA70BB-4777-F04A-A076-51EA02F1F0E2}"/>
+              </a:ext>
+            </a:extLst>
+          </p:cNvPr>
+          <p:cNvSpPr txBox="1">
+            <a:spLocks noChangeArrowheads="1"/>
+          </p:cNvSpPr>
+          <p:nvPr/>
+        </p:nvSpPr>
+        <p:spPr bwMode="auto">
+          <a:xfrm>
+            <a:off x="8733696" y="3750165"/>
+            <a:ext cx="990600" cy="523875"/>
+          </a:xfrm>
+          <a:prstGeom prst="rect">
+            <a:avLst/>
+          </a:prstGeom>
+          <a:noFill/>
+          <a:ln w="9525">
+            <a:noFill/>
+            <a:miter lim="800000"/>
+            <a:headEnd/>
+            <a:tailEnd/>
+          </a:ln>
+        </p:spPr>
+        <p:txBody>
+          <a:bodyPr>
+            <a:spAutoFit/>
+          </a:bodyPr>
+          <a:lstStyle/>
+          <a:p>
+            <a:pPr algn="ctr"/>
+            <a:r>
+              <a:rPr lang="en-US" sz="2800" b="1">
+                <a:solidFill>
+                  <a:schemeClr val="accent1"/>
+                </a:solidFill>
+                <a:latin typeface="Calibri" pitchFamily="34" charset="0"/>
+              </a:rPr>
+              <a:t>391</a:t>
+            </a:r>
+          </a:p>
+        </p:txBody>
+      </p:sp>
+      <p:sp>
+        <p:nvSpPr>
+          <p:cNvPr id="6" name="TextBox 5">
+            <a:extLst>
+              <a:ext uri="{FF2B5EF4-FFF2-40B4-BE49-F238E27FC236}">
+                <a16:creationId xmlns:a16="http://schemas.microsoft.com/office/drawing/2014/main" id="{81FC7E30-BD95-FF46-9D42-3EE48B63E3A6}"/>
+              </a:ext>
+            </a:extLst>
+          </p:cNvPr>
+          <p:cNvSpPr txBox="1">
+            <a:spLocks noChangeArrowheads="1"/>
+          </p:cNvSpPr>
+          <p:nvPr/>
+        </p:nvSpPr>
+        <p:spPr bwMode="auto">
+          <a:xfrm>
+            <a:off x="2136046" y="2711940"/>
+            <a:ext cx="990600" cy="522287"/>
+          </a:xfrm>
+          <a:prstGeom prst="rect">
+            <a:avLst/>
+          </a:prstGeom>
+          <a:noFill/>
+          <a:ln w="9525">
+            <a:noFill/>
+            <a:miter lim="800000"/>
+            <a:headEnd/>
+            <a:tailEnd/>
+          </a:ln>
+        </p:spPr>
+        <p:txBody>
+          <a:bodyPr>
+            <a:spAutoFit/>
+          </a:bodyPr>
+          <a:lstStyle/>
+          <a:p>
+            <a:pPr algn="ctr"/>
+            <a:r>
+              <a:rPr lang="en-US" sz="2800" b="1">
+                <a:solidFill>
+                  <a:schemeClr val="accent1"/>
+                </a:solidFill>
+                <a:latin typeface="Calibri" pitchFamily="34" charset="0"/>
+              </a:rPr>
+              <a:t>111</a:t>
+            </a:r>
+          </a:p>
+        </p:txBody>
+      </p:sp>
+      <p:sp>
+        <p:nvSpPr>
+          <p:cNvPr id="7" name="TextBox 6">
+            <a:extLst>
+              <a:ext uri="{FF2B5EF4-FFF2-40B4-BE49-F238E27FC236}">
+                <a16:creationId xmlns:a16="http://schemas.microsoft.com/office/drawing/2014/main" id="{5354662C-1386-4746-9EAF-05060B1009C3}"/>
+              </a:ext>
+            </a:extLst>
+          </p:cNvPr>
+          <p:cNvSpPr txBox="1">
+            <a:spLocks noChangeArrowheads="1"/>
+          </p:cNvSpPr>
+          <p:nvPr/>
+        </p:nvSpPr>
+        <p:spPr bwMode="auto">
+          <a:xfrm>
+            <a:off x="1723296" y="5364652"/>
+            <a:ext cx="1752600" cy="523875"/>
+          </a:xfrm>
+          <a:prstGeom prst="rect">
+            <a:avLst/>
+          </a:prstGeom>
+          <a:noFill/>
+          <a:ln w="9525">
+            <a:noFill/>
+            <a:miter lim="800000"/>
+            <a:headEnd/>
+            <a:tailEnd/>
+          </a:ln>
+        </p:spPr>
+        <p:txBody>
+          <a:bodyPr>
+            <a:spAutoFit/>
+          </a:bodyPr>
+          <a:lstStyle/>
+          <a:p>
+            <a:pPr algn="ctr"/>
+            <a:r>
+              <a:rPr lang="en-US" sz="2800" b="1">
+                <a:solidFill>
+                  <a:schemeClr val="accent1"/>
+                </a:solidFill>
+                <a:latin typeface="Calibri" pitchFamily="34" charset="0"/>
+              </a:rPr>
+              <a:t>30, </a:t>
+            </a:r>
+            <a:r>
+              <a:rPr lang="en-US" sz="2800" b="1" i="1">
+                <a:solidFill>
+                  <a:schemeClr val="accent1"/>
+                </a:solidFill>
+                <a:latin typeface="Calibri" pitchFamily="34" charset="0"/>
+              </a:rPr>
+              <a:t>23’400 </a:t>
+            </a:r>
+          </a:p>
+        </p:txBody>
+      </p:sp>
+      <p:sp>
+        <p:nvSpPr>
+          <p:cNvPr id="8" name="TextBox 7">
+            <a:extLst>
+              <a:ext uri="{FF2B5EF4-FFF2-40B4-BE49-F238E27FC236}">
+                <a16:creationId xmlns:a16="http://schemas.microsoft.com/office/drawing/2014/main" id="{A2E9098F-9961-204E-B7CF-EFAAE22CD8B9}"/>
+              </a:ext>
+            </a:extLst>
+          </p:cNvPr>
+          <p:cNvSpPr txBox="1">
+            <a:spLocks noChangeArrowheads="1"/>
+          </p:cNvSpPr>
+          <p:nvPr/>
+        </p:nvSpPr>
+        <p:spPr bwMode="auto">
+          <a:xfrm>
+            <a:off x="2790096" y="3907327"/>
+            <a:ext cx="1752600" cy="523875"/>
+          </a:xfrm>
+          <a:prstGeom prst="rect">
+            <a:avLst/>
+          </a:prstGeom>
+          <a:noFill/>
+          <a:ln w="9525">
+            <a:noFill/>
+            <a:miter lim="800000"/>
+            <a:headEnd/>
+            <a:tailEnd/>
+          </a:ln>
+        </p:spPr>
+        <p:txBody>
+          <a:bodyPr>
+            <a:spAutoFit/>
+          </a:bodyPr>
+          <a:lstStyle/>
+          <a:p>
+            <a:pPr algn="ctr"/>
+            <a:r>
+              <a:rPr lang="en-US" sz="2800" b="1">
+                <a:solidFill>
+                  <a:schemeClr val="accent1"/>
+                </a:solidFill>
+                <a:latin typeface="Calibri" pitchFamily="34" charset="0"/>
+              </a:rPr>
+              <a:t>15, </a:t>
+            </a:r>
+            <a:r>
+              <a:rPr lang="en-US" sz="2800" b="1" i="1">
+                <a:solidFill>
+                  <a:schemeClr val="accent1"/>
+                </a:solidFill>
+                <a:latin typeface="Calibri" pitchFamily="34" charset="0"/>
+              </a:rPr>
+              <a:t>2 </a:t>
+            </a:r>
+          </a:p>
+        </p:txBody>
+      </p:sp>
+      <p:sp>
+        <p:nvSpPr>
+          <p:cNvPr id="9" name="TextBox 8">
+            <a:extLst>
+              <a:ext uri="{FF2B5EF4-FFF2-40B4-BE49-F238E27FC236}">
+                <a16:creationId xmlns:a16="http://schemas.microsoft.com/office/drawing/2014/main" id="{697F4FF0-A7B2-F349-B3D0-CDE42ED36A4D}"/>
+              </a:ext>
+            </a:extLst>
+          </p:cNvPr>
+          <p:cNvSpPr txBox="1">
+            <a:spLocks noChangeArrowheads="1"/>
+          </p:cNvSpPr>
+          <p:nvPr/>
+        </p:nvSpPr>
+        <p:spPr bwMode="auto">
+          <a:xfrm>
+            <a:off x="7590696" y="4593127"/>
+            <a:ext cx="2362200" cy="523875"/>
+          </a:xfrm>
+          <a:prstGeom prst="rect">
+            <a:avLst/>
+          </a:prstGeom>
+          <a:noFill/>
+          <a:ln w="9525">
+            <a:noFill/>
+            <a:miter lim="800000"/>
+            <a:headEnd/>
+            <a:tailEnd/>
+          </a:ln>
+        </p:spPr>
+        <p:txBody>
+          <a:bodyPr>
+            <a:spAutoFit/>
+          </a:bodyPr>
+          <a:lstStyle/>
+          <a:p>
+            <a:pPr algn="ctr"/>
+            <a:r>
+              <a:rPr lang="en-US" sz="2800" b="1" dirty="0">
+                <a:solidFill>
+                  <a:schemeClr val="accent1"/>
+                </a:solidFill>
+                <a:latin typeface="Calibri" pitchFamily="34" charset="0"/>
+              </a:rPr>
+              <a:t>41, </a:t>
+            </a:r>
+            <a:r>
+              <a:rPr lang="en-US" sz="2800" b="1" i="1" dirty="0">
+                <a:solidFill>
+                  <a:schemeClr val="accent1"/>
+                </a:solidFill>
+                <a:latin typeface="Calibri" pitchFamily="34" charset="0"/>
+              </a:rPr>
+              <a:t>1’338’000 </a:t>
+            </a:r>
+          </a:p>
+        </p:txBody>
+      </p:sp>
+      <p:sp>
+        <p:nvSpPr>
+          <p:cNvPr id="10" name="Rectangle 11">
+            <a:extLst>
+              <a:ext uri="{FF2B5EF4-FFF2-40B4-BE49-F238E27FC236}">
+                <a16:creationId xmlns:a16="http://schemas.microsoft.com/office/drawing/2014/main" id="{13F2D5B8-8B1E-A54C-A545-ECB39B25F959}"/>
+              </a:ext>
+            </a:extLst>
+          </p:cNvPr>
+          <p:cNvSpPr>
+            <a:spLocks noChangeArrowheads="1"/>
+          </p:cNvSpPr>
+          <p:nvPr/>
+        </p:nvSpPr>
+        <p:spPr bwMode="auto">
+          <a:xfrm>
+            <a:off x="8200297" y="5655165"/>
+            <a:ext cx="366713" cy="523875"/>
+          </a:xfrm>
+          <a:prstGeom prst="rect">
+            <a:avLst/>
+          </a:prstGeom>
+          <a:noFill/>
+          <a:ln w="9525">
+            <a:noFill/>
+            <a:miter lim="800000"/>
+            <a:headEnd/>
+            <a:tailEnd/>
+          </a:ln>
+        </p:spPr>
+        <p:txBody>
+          <a:bodyPr wrap="none">
+            <a:spAutoFit/>
+          </a:bodyPr>
+          <a:lstStyle/>
+          <a:p>
+            <a:r>
+              <a:rPr lang="en-US" sz="2800" b="1">
+                <a:solidFill>
+                  <a:schemeClr val="accent1"/>
+                </a:solidFill>
+                <a:latin typeface="Calibri" pitchFamily="34" charset="0"/>
+              </a:rPr>
+              <a:t>5</a:t>
+            </a:r>
+            <a:endParaRPr lang="en-US" sz="2800">
+              <a:latin typeface="Calibri" pitchFamily="34" charset="0"/>
+            </a:endParaRPr>
+          </a:p>
+        </p:txBody>
+      </p:sp>
+      <p:sp>
+        <p:nvSpPr>
+          <p:cNvPr id="11" name="Rectangle 10">
+            <a:extLst>
+              <a:ext uri="{FF2B5EF4-FFF2-40B4-BE49-F238E27FC236}">
+                <a16:creationId xmlns:a16="http://schemas.microsoft.com/office/drawing/2014/main" id="{7EE304D4-C3E6-0144-A2E7-A2BB8451C218}"/>
+              </a:ext>
+            </a:extLst>
+          </p:cNvPr>
+          <p:cNvSpPr/>
+          <p:nvPr/>
+        </p:nvSpPr>
+        <p:spPr>
+          <a:xfrm>
+            <a:off x="5304697" y="3597765"/>
+            <a:ext cx="2028825" cy="523875"/>
+          </a:xfrm>
+          <a:prstGeom prst="rect">
+            <a:avLst/>
+          </a:prstGeom>
+        </p:spPr>
+        <p:txBody>
+          <a:bodyPr wrap="none">
+            <a:spAutoFit/>
+          </a:bodyPr>
+          <a:lstStyle/>
+          <a:p>
+            <a:pPr>
+              <a:defRPr/>
+            </a:pPr>
+            <a:r>
+              <a:rPr lang="en-US" sz="2800" b="1" dirty="0">
+                <a:solidFill>
+                  <a:srgbClr val="4F81BD"/>
+                </a:solidFill>
+              </a:rPr>
+              <a:t>65 = (44+</a:t>
+            </a:r>
+            <a:r>
+              <a:rPr lang="en-US" sz="2800" b="1" dirty="0">
+                <a:solidFill>
+                  <a:srgbClr val="00B050"/>
+                </a:solidFill>
+              </a:rPr>
+              <a:t>21</a:t>
+            </a:r>
+            <a:r>
+              <a:rPr lang="en-US" sz="2800" b="1" dirty="0">
+                <a:solidFill>
+                  <a:srgbClr val="4F81BD"/>
+                </a:solidFill>
+              </a:rPr>
+              <a:t>)</a:t>
+            </a:r>
+            <a:endParaRPr lang="en-US" sz="2800" dirty="0"/>
+          </a:p>
+        </p:txBody>
+      </p:sp>
+      <p:sp>
+        <p:nvSpPr>
+          <p:cNvPr id="12" name="Right Brace 11">
+            <a:extLst>
+              <a:ext uri="{FF2B5EF4-FFF2-40B4-BE49-F238E27FC236}">
+                <a16:creationId xmlns:a16="http://schemas.microsoft.com/office/drawing/2014/main" id="{097F6FEF-EF7F-0B47-B644-25261E53D07B}"/>
+              </a:ext>
+            </a:extLst>
+          </p:cNvPr>
+          <p:cNvSpPr/>
+          <p:nvPr/>
+        </p:nvSpPr>
+        <p:spPr>
+          <a:xfrm rot="16200000">
+            <a:off x="6219096" y="2992926"/>
+            <a:ext cx="152400" cy="2286000"/>
+          </a:xfrm>
+          <a:prstGeom prst="rightBrace">
+            <a:avLst/>
+          </a:prstGeom>
+        </p:spPr>
+        <p:style>
+          <a:lnRef idx="1">
+            <a:schemeClr val="accent1"/>
+          </a:lnRef>
+          <a:fillRef idx="0">
+            <a:schemeClr val="accent1"/>
+          </a:fillRef>
+          <a:effectRef idx="0">
+            <a:schemeClr val="accent1"/>
+          </a:effectRef>
+          <a:fontRef idx="minor">
+            <a:schemeClr val="tx1"/>
+          </a:fontRef>
+        </p:style>
+        <p:txBody>
+          <a:bodyPr anchor="ctr"/>
+          <a:lstStyle/>
+          <a:p>
+            <a:pPr algn="ctr">
+              <a:defRPr/>
+            </a:pPr>
+            <a:endParaRPr lang="en-US"/>
+          </a:p>
+        </p:txBody>
+      </p:sp>
+      <p:sp>
+        <p:nvSpPr>
+          <p:cNvPr id="13" name="Rectangle 16">
+            <a:extLst>
+              <a:ext uri="{FF2B5EF4-FFF2-40B4-BE49-F238E27FC236}">
+                <a16:creationId xmlns:a16="http://schemas.microsoft.com/office/drawing/2014/main" id="{149121F4-E3D5-4E40-9F93-B228BE14B26C}"/>
+              </a:ext>
+            </a:extLst>
+          </p:cNvPr>
+          <p:cNvSpPr>
+            <a:spLocks noChangeArrowheads="1"/>
+          </p:cNvSpPr>
+          <p:nvPr/>
+        </p:nvSpPr>
+        <p:spPr bwMode="auto">
+          <a:xfrm>
+            <a:off x="885097" y="3678727"/>
+            <a:ext cx="550863" cy="523875"/>
+          </a:xfrm>
+          <a:prstGeom prst="rect">
+            <a:avLst/>
+          </a:prstGeom>
+          <a:noFill/>
+          <a:ln w="9525">
+            <a:noFill/>
+            <a:miter lim="800000"/>
+            <a:headEnd/>
+            <a:tailEnd/>
+          </a:ln>
+        </p:spPr>
+        <p:txBody>
+          <a:bodyPr wrap="none">
+            <a:spAutoFit/>
+          </a:bodyPr>
+          <a:lstStyle/>
+          <a:p>
+            <a:r>
+              <a:rPr lang="en-US" sz="2800" b="1" i="1">
+                <a:solidFill>
+                  <a:schemeClr val="accent1"/>
+                </a:solidFill>
+                <a:latin typeface="Calibri" pitchFamily="34" charset="0"/>
+              </a:rPr>
+              <a:t>17</a:t>
+            </a:r>
+            <a:endParaRPr lang="en-US" sz="2800" i="1">
+              <a:latin typeface="Calibri" pitchFamily="34" charset="0"/>
+            </a:endParaRPr>
+          </a:p>
+        </p:txBody>
+      </p:sp>
+      <p:sp>
+        <p:nvSpPr>
+          <p:cNvPr id="14" name="Rectangle 21">
+            <a:extLst>
+              <a:ext uri="{FF2B5EF4-FFF2-40B4-BE49-F238E27FC236}">
+                <a16:creationId xmlns:a16="http://schemas.microsoft.com/office/drawing/2014/main" id="{B12B46C8-7452-AE4F-B95F-56E08B85E0D2}"/>
+              </a:ext>
+            </a:extLst>
+          </p:cNvPr>
+          <p:cNvSpPr>
+            <a:spLocks noChangeArrowheads="1"/>
+          </p:cNvSpPr>
+          <p:nvPr/>
+        </p:nvSpPr>
+        <p:spPr bwMode="auto">
+          <a:xfrm>
+            <a:off x="1475647" y="3232640"/>
+            <a:ext cx="1192213" cy="522287"/>
+          </a:xfrm>
+          <a:prstGeom prst="rect">
+            <a:avLst/>
+          </a:prstGeom>
+          <a:noFill/>
+          <a:ln w="9525">
+            <a:noFill/>
+            <a:miter lim="800000"/>
+            <a:headEnd/>
+            <a:tailEnd/>
+          </a:ln>
+        </p:spPr>
+        <p:txBody>
+          <a:bodyPr wrap="none">
+            <a:spAutoFit/>
+          </a:bodyPr>
+          <a:lstStyle/>
+          <a:p>
+            <a:r>
+              <a:rPr lang="en-US" sz="2800" b="1" i="1">
+                <a:solidFill>
+                  <a:schemeClr val="accent1"/>
+                </a:solidFill>
+                <a:latin typeface="Calibri" pitchFamily="34" charset="0"/>
+              </a:rPr>
+              <a:t>24’064</a:t>
+            </a:r>
+            <a:endParaRPr lang="en-US" sz="2800" i="1">
+              <a:latin typeface="Calibri" pitchFamily="34" charset="0"/>
+            </a:endParaRPr>
+          </a:p>
+        </p:txBody>
+      </p:sp>
+      <p:sp>
+        <p:nvSpPr>
+          <p:cNvPr id="15" name="Rectangle 22">
+            <a:extLst>
+              <a:ext uri="{FF2B5EF4-FFF2-40B4-BE49-F238E27FC236}">
+                <a16:creationId xmlns:a16="http://schemas.microsoft.com/office/drawing/2014/main" id="{0FD5ED16-9DC1-B34C-ABDB-A9D9F19F5C39}"/>
+              </a:ext>
+            </a:extLst>
+          </p:cNvPr>
+          <p:cNvSpPr>
+            <a:spLocks noChangeArrowheads="1"/>
+          </p:cNvSpPr>
+          <p:nvPr/>
+        </p:nvSpPr>
+        <p:spPr bwMode="auto">
+          <a:xfrm>
+            <a:off x="3780697" y="5593252"/>
+            <a:ext cx="1370013" cy="523875"/>
+          </a:xfrm>
+          <a:prstGeom prst="rect">
+            <a:avLst/>
+          </a:prstGeom>
+          <a:noFill/>
+          <a:ln w="9525">
+            <a:noFill/>
+            <a:miter lim="800000"/>
+            <a:headEnd/>
+            <a:tailEnd/>
+          </a:ln>
+        </p:spPr>
+        <p:txBody>
+          <a:bodyPr wrap="none">
+            <a:spAutoFit/>
+          </a:bodyPr>
+          <a:lstStyle/>
+          <a:p>
+            <a:r>
+              <a:rPr lang="en-US" sz="2800" b="1">
+                <a:solidFill>
+                  <a:schemeClr val="accent1"/>
+                </a:solidFill>
+                <a:latin typeface="Calibri" pitchFamily="34" charset="0"/>
+              </a:rPr>
+              <a:t>2.4, </a:t>
+            </a:r>
+            <a:r>
+              <a:rPr lang="en-US" sz="2800" b="1" i="1">
+                <a:solidFill>
+                  <a:schemeClr val="accent1"/>
+                </a:solidFill>
+                <a:latin typeface="Calibri" pitchFamily="34" charset="0"/>
+              </a:rPr>
+              <a:t>175</a:t>
+            </a:r>
+            <a:endParaRPr lang="en-US" sz="2800" i="1">
+              <a:latin typeface="Calibri" pitchFamily="34" charset="0"/>
+            </a:endParaRPr>
+          </a:p>
+        </p:txBody>
+      </p:sp>
+      <p:cxnSp>
+        <p:nvCxnSpPr>
+          <p:cNvPr id="16" name="Straight Arrow Connector 15">
+            <a:extLst>
+              <a:ext uri="{FF2B5EF4-FFF2-40B4-BE49-F238E27FC236}">
+                <a16:creationId xmlns:a16="http://schemas.microsoft.com/office/drawing/2014/main" id="{E36AB4D3-EB93-EB43-9A75-71C84025BE57}"/>
+              </a:ext>
+            </a:extLst>
+          </p:cNvPr>
+          <p:cNvCxnSpPr/>
+          <p:nvPr/>
+        </p:nvCxnSpPr>
+        <p:spPr>
+          <a:xfrm rot="5400000" flipH="1" flipV="1">
+            <a:off x="4468084" y="5507526"/>
+            <a:ext cx="303212" cy="1588"/>
+          </a:xfrm>
+          <a:prstGeom prst="straightConnector1">
+            <a:avLst/>
+          </a:prstGeom>
+          <a:ln w="38100">
+            <a:tailEnd type="arrow"/>
+          </a:ln>
+        </p:spPr>
+        <p:style>
+          <a:lnRef idx="1">
+            <a:schemeClr val="accent1"/>
+          </a:lnRef>
+          <a:fillRef idx="0">
+            <a:schemeClr val="accent1"/>
+          </a:fillRef>
+          <a:effectRef idx="0">
+            <a:schemeClr val="accent1"/>
+          </a:effectRef>
+          <a:fontRef idx="minor">
+            <a:schemeClr val="tx1"/>
+          </a:fontRef>
+        </p:style>
+      </p:cxnSp>
+      <p:sp>
+        <p:nvSpPr>
+          <p:cNvPr id="17" name="TextBox 26">
+            <a:extLst>
+              <a:ext uri="{FF2B5EF4-FFF2-40B4-BE49-F238E27FC236}">
+                <a16:creationId xmlns:a16="http://schemas.microsoft.com/office/drawing/2014/main" id="{E4B3CAA7-480C-674E-A07A-214E1E3508C8}"/>
+              </a:ext>
+            </a:extLst>
+          </p:cNvPr>
+          <p:cNvSpPr txBox="1">
+            <a:spLocks noChangeArrowheads="1"/>
+          </p:cNvSpPr>
+          <p:nvPr/>
+        </p:nvSpPr>
+        <p:spPr bwMode="auto">
+          <a:xfrm>
+            <a:off x="4161696" y="4288327"/>
+            <a:ext cx="990600" cy="523875"/>
+          </a:xfrm>
+          <a:prstGeom prst="rect">
+            <a:avLst/>
+          </a:prstGeom>
+          <a:noFill/>
+          <a:ln w="9525">
+            <a:noFill/>
+            <a:miter lim="800000"/>
+            <a:headEnd/>
+            <a:tailEnd/>
+          </a:ln>
+        </p:spPr>
+        <p:txBody>
+          <a:bodyPr>
+            <a:spAutoFit/>
+          </a:bodyPr>
+          <a:lstStyle/>
+          <a:p>
+            <a:pPr algn="ctr"/>
+            <a:r>
+              <a:rPr lang="en-US" sz="2800" b="1">
+                <a:solidFill>
+                  <a:schemeClr val="accent1"/>
+                </a:solidFill>
+                <a:latin typeface="Calibri" pitchFamily="34" charset="0"/>
+              </a:rPr>
+              <a:t>1.3</a:t>
+            </a:r>
+          </a:p>
+        </p:txBody>
+      </p:sp>
+      <p:cxnSp>
+        <p:nvCxnSpPr>
+          <p:cNvPr id="18" name="Straight Arrow Connector 17">
+            <a:extLst>
+              <a:ext uri="{FF2B5EF4-FFF2-40B4-BE49-F238E27FC236}">
+                <a16:creationId xmlns:a16="http://schemas.microsoft.com/office/drawing/2014/main" id="{C6D671CF-9D8E-9C47-8191-79A182F0B8FF}"/>
+              </a:ext>
+            </a:extLst>
+          </p:cNvPr>
+          <p:cNvCxnSpPr/>
+          <p:nvPr/>
+        </p:nvCxnSpPr>
+        <p:spPr>
+          <a:xfrm rot="16200000" flipH="1">
+            <a:off x="7895496" y="5126526"/>
+            <a:ext cx="228600" cy="76200"/>
+          </a:xfrm>
+          <a:prstGeom prst="straightConnector1">
+            <a:avLst/>
+          </a:prstGeom>
+          <a:ln w="38100">
+            <a:tailEnd type="arrow"/>
+          </a:ln>
+        </p:spPr>
+        <p:style>
+          <a:lnRef idx="1">
+            <a:schemeClr val="accent1"/>
+          </a:lnRef>
+          <a:fillRef idx="0">
+            <a:schemeClr val="accent1"/>
+          </a:fillRef>
+          <a:effectRef idx="0">
+            <a:schemeClr val="accent1"/>
+          </a:effectRef>
+          <a:fontRef idx="minor">
+            <a:schemeClr val="tx1"/>
+          </a:fontRef>
+        </p:style>
+      </p:cxnSp>
+    </p:spTree>
+    <p:extLst>
+      <p:ext uri="{BB962C8B-B14F-4D97-AF65-F5344CB8AC3E}">
+        <p14:creationId xmlns:p14="http://schemas.microsoft.com/office/powerpoint/2010/main" val="774336182"/>
+      </p:ext>
+    </p:extLst>
+  </p:cSld>
+  <p:clrMapOvr>
+    <a:masterClrMapping/>
+  </p:clrMapOvr>
+</p:sld>
+</file>
+
+<file path=ppt/slides/slide5.xml><?xml version="1.0" encoding="utf-8"?>
+<p:sld xmlns:a="http://schemas.openxmlformats.org/drawingml/2006/main" xmlns:r="http://schemas.openxmlformats.org/officeDocument/2006/relationships" xmlns:p="http://schemas.openxmlformats.org/presentationml/2006/main">
+  <p:cSld>
+    <p:spTree>
+      <p:nvGrpSpPr>
+        <p:cNvPr id="1" name=""/>
+        <p:cNvGrpSpPr/>
+        <p:nvPr/>
+      </p:nvGrpSpPr>
+      <p:grpSpPr>
+        <a:xfrm>
+          <a:off x="0" y="0"/>
+          <a:ext cx="0" cy="0"/>
+          <a:chOff x="0" y="0"/>
+          <a:chExt cx="0" cy="0"/>
+        </a:xfrm>
+      </p:grpSpPr>
+      <p:sp>
+        <p:nvSpPr>
+          <p:cNvPr id="6" name="Content Placeholder 5">
+            <a:extLst>
+              <a:ext uri="{FF2B5EF4-FFF2-40B4-BE49-F238E27FC236}">
+                <a16:creationId xmlns:a16="http://schemas.microsoft.com/office/drawing/2014/main" id="{2DED2FC2-A94F-FE4F-91C0-D7DF871A4B77}"/>
+              </a:ext>
+            </a:extLst>
+          </p:cNvPr>
+          <p:cNvSpPr>
+            <a:spLocks noGrp="1"/>
+          </p:cNvSpPr>
+          <p:nvPr>
+            <p:ph idx="1"/>
+          </p:nvPr>
+        </p:nvSpPr>
+        <p:spPr/>
+        <p:txBody>
+          <a:bodyPr/>
+          <a:lstStyle/>
+          <a:p>
+            <a:r>
+              <a:rPr lang="en-US" dirty="0" err="1"/>
+              <a:t>Bla</a:t>
+            </a:r>
+            <a:endParaRPr lang="en-US" dirty="0"/>
+          </a:p>
+        </p:txBody>
+      </p:sp>
+    </p:spTree>
+  </p:cSld>
+  <p:clrMapOvr>
+    <a:masterClrMapping/>
+  </p:clrMapOvr>
+</p:sld>
+</file>
+
+<file path=ppt/slides/slide6.xml><?xml version="1.0" encoding="utf-8"?>
+<p:sld xmlns:a="http://schemas.openxmlformats.org/drawingml/2006/main" xmlns:r="http://schemas.openxmlformats.org/officeDocument/2006/relationships" xmlns:p="http://schemas.openxmlformats.org/presentationml/2006/main">
+  <p:cSld>
+    <p:spTree>
+      <p:nvGrpSpPr>
+        <p:cNvPr id="1" name=""/>
+        <p:cNvGrpSpPr/>
+        <p:nvPr/>
+      </p:nvGrpSpPr>
+      <p:grpSpPr>
+        <a:xfrm>
+          <a:off x="0" y="0"/>
+          <a:ext cx="0" cy="0"/>
+          <a:chOff x="0" y="0"/>
+          <a:chExt cx="0" cy="0"/>
+        </a:xfrm>
+      </p:grpSpPr>
+      <p:sp>
+        <p:nvSpPr>
+          <p:cNvPr id="2" name="Title 1">
+            <a:extLst>
+              <a:ext uri="{FF2B5EF4-FFF2-40B4-BE49-F238E27FC236}">
+                <a16:creationId xmlns:a16="http://schemas.microsoft.com/office/drawing/2014/main" id="{4D70BC53-B42B-A549-81FC-28E8980F85FB}"/>
+              </a:ext>
+            </a:extLst>
+          </p:cNvPr>
+          <p:cNvSpPr>
+            <a:spLocks noGrp="1"/>
+          </p:cNvSpPr>
+          <p:nvPr>
+            <p:ph type="title"/>
+          </p:nvPr>
+        </p:nvSpPr>
+        <p:spPr/>
+        <p:txBody>
+          <a:bodyPr/>
+          <a:lstStyle/>
+          <a:p>
+            <a:r>
+              <a:rPr lang="en-US" b="1" dirty="0">
+                <a:latin typeface="+mn-lt"/>
+              </a:rPr>
               <a:t>Catchment Energy Balance</a:t>
             </a:r>
           </a:p>
@@ -3727,7 +5221,7 @@
 </p:sld>
 </file>
 
-<file path=ppt/slides/slide5.xml><?xml version="1.0" encoding="utf-8"?>
+<file path=ppt/slides/slide7.xml><?xml version="1.0" encoding="utf-8"?>
 <p:sld xmlns:a="http://schemas.openxmlformats.org/drawingml/2006/main" xmlns:r="http://schemas.openxmlformats.org/officeDocument/2006/relationships" xmlns:p="http://schemas.openxmlformats.org/presentationml/2006/main">
   <p:cSld>
     <p:spTree>
@@ -4137,4 +5631,299 @@
     </a:ext>
   </a:extLst>
 </a:theme>
+</file>
+
+<file path=ppt/theme/theme2.xml><?xml version="1.0" encoding="utf-8"?>
+<a:theme xmlns:a="http://schemas.openxmlformats.org/drawingml/2006/main" name="Office Theme">
+  <a:themeElements>
+    <a:clrScheme name="Office">
+      <a:dk1>
+        <a:sysClr val="windowText" lastClr="000000"/>
+      </a:dk1>
+      <a:lt1>
+        <a:sysClr val="window" lastClr="FFFFFF"/>
+      </a:lt1>
+      <a:dk2>
+        <a:srgbClr val="44546A"/>
+      </a:dk2>
+      <a:lt2>
+        <a:srgbClr val="E7E6E6"/>
+      </a:lt2>
+      <a:accent1>
+        <a:srgbClr val="4472C4"/>
+      </a:accent1>
+      <a:accent2>
+        <a:srgbClr val="ED7D31"/>
+      </a:accent2>
+      <a:accent3>
+        <a:srgbClr val="A5A5A5"/>
+      </a:accent3>
+      <a:accent4>
+        <a:srgbClr val="FFC000"/>
+      </a:accent4>
+      <a:accent5>
+        <a:srgbClr val="5B9BD5"/>
+      </a:accent5>
+      <a:accent6>
+        <a:srgbClr val="70AD47"/>
+      </a:accent6>
+      <a:hlink>
+        <a:srgbClr val="0563C1"/>
+      </a:hlink>
+      <a:folHlink>
+        <a:srgbClr val="954F72"/>
+      </a:folHlink>
+    </a:clrScheme>
+    <a:fontScheme name="Office">
+      <a:majorFont>
+        <a:latin typeface="Calibri Light" panose="020F0302020204030204"/>
+        <a:ea typeface=""/>
+        <a:cs typeface=""/>
+        <a:font script="Jpan" typeface="游ゴシック Light"/>
+        <a:font script="Hang" typeface="맑은 고딕"/>
+        <a:font script="Hans" typeface="等线 Light"/>
+        <a:font script="Hant" typeface="新細明體"/>
+        <a:font script="Arab" typeface="Times New Roman"/>
+        <a:font script="Hebr" typeface="Times New Roman"/>
+        <a:font script="Thai" typeface="Angsana New"/>
+        <a:font script="Ethi" typeface="Nyala"/>
+        <a:font script="Beng" typeface="Vrinda"/>
+        <a:font script="Gujr" typeface="Shruti"/>
+        <a:font script="Khmr" typeface="MoolBoran"/>
+        <a:font script="Knda" typeface="Tunga"/>
+        <a:font script="Guru" typeface="Raavi"/>
+        <a:font script="Cans" typeface="Euphemia"/>
+        <a:font script="Cher" typeface="Plantagenet Cherokee"/>
+        <a:font script="Yiii" typeface="Microsoft Yi Baiti"/>
+        <a:font script="Tibt" typeface="Microsoft Himalaya"/>
+        <a:font script="Thaa" typeface="MV Boli"/>
+        <a:font script="Deva" typeface="Mangal"/>
+        <a:font script="Telu" typeface="Gautami"/>
+        <a:font script="Taml" typeface="Latha"/>
+        <a:font script="Syrc" typeface="Estrangelo Edessa"/>
+        <a:font script="Orya" typeface="Kalinga"/>
+        <a:font script="Mlym" typeface="Kartika"/>
+        <a:font script="Laoo" typeface="DokChampa"/>
+        <a:font script="Sinh" typeface="Iskoola Pota"/>
+        <a:font script="Mong" typeface="Mongolian Baiti"/>
+        <a:font script="Viet" typeface="Times New Roman"/>
+        <a:font script="Uigh" typeface="Microsoft Uighur"/>
+        <a:font script="Geor" typeface="Sylfaen"/>
+        <a:font script="Armn" typeface="Arial"/>
+        <a:font script="Bugi" typeface="Leelawadee UI"/>
+        <a:font script="Bopo" typeface="Microsoft JhengHei"/>
+        <a:font script="Java" typeface="Javanese Text"/>
+        <a:font script="Lisu" typeface="Segoe UI"/>
+        <a:font script="Mymr" typeface="Myanmar Text"/>
+        <a:font script="Nkoo" typeface="Ebrima"/>
+        <a:font script="Olck" typeface="Nirmala UI"/>
+        <a:font script="Osma" typeface="Ebrima"/>
+        <a:font script="Phag" typeface="Phagspa"/>
+        <a:font script="Syrn" typeface="Estrangelo Edessa"/>
+        <a:font script="Syrj" typeface="Estrangelo Edessa"/>
+        <a:font script="Syre" typeface="Estrangelo Edessa"/>
+        <a:font script="Sora" typeface="Nirmala UI"/>
+        <a:font script="Tale" typeface="Microsoft Tai Le"/>
+        <a:font script="Talu" typeface="Microsoft New Tai Lue"/>
+        <a:font script="Tfng" typeface="Ebrima"/>
+      </a:majorFont>
+      <a:minorFont>
+        <a:latin typeface="Calibri" panose="020F0502020204030204"/>
+        <a:ea typeface=""/>
+        <a:cs typeface=""/>
+        <a:font script="Jpan" typeface="游ゴシック"/>
+        <a:font script="Hang" typeface="맑은 고딕"/>
+        <a:font script="Hans" typeface="等线"/>
+        <a:font script="Hant" typeface="新細明體"/>
+        <a:font script="Arab" typeface="Arial"/>
+        <a:font script="Hebr" typeface="Arial"/>
+        <a:font script="Thai" typeface="Cordia New"/>
+        <a:font script="Ethi" typeface="Nyala"/>
+        <a:font script="Beng" typeface="Vrinda"/>
+        <a:font script="Gujr" typeface="Shruti"/>
+        <a:font script="Khmr" typeface="DaunPenh"/>
+        <a:font script="Knda" typeface="Tunga"/>
+        <a:font script="Guru" typeface="Raavi"/>
+        <a:font script="Cans" typeface="Euphemia"/>
+        <a:font script="Cher" typeface="Plantagenet Cherokee"/>
+        <a:font script="Yiii" typeface="Microsoft Yi Baiti"/>
+        <a:font script="Tibt" typeface="Microsoft Himalaya"/>
+        <a:font script="Thaa" typeface="MV Boli"/>
+        <a:font script="Deva" typeface="Mangal"/>
+        <a:font script="Telu" typeface="Gautami"/>
+        <a:font script="Taml" typeface="Latha"/>
+        <a:font script="Syrc" typeface="Estrangelo Edessa"/>
+        <a:font script="Orya" typeface="Kalinga"/>
+        <a:font script="Mlym" typeface="Kartika"/>
+        <a:font script="Laoo" typeface="DokChampa"/>
+        <a:font script="Sinh" typeface="Iskoola Pota"/>
+        <a:font script="Mong" typeface="Mongolian Baiti"/>
+        <a:font script="Viet" typeface="Arial"/>
+        <a:font script="Uigh" typeface="Microsoft Uighur"/>
+        <a:font script="Geor" typeface="Sylfaen"/>
+        <a:font script="Armn" typeface="Arial"/>
+        <a:font script="Bugi" typeface="Leelawadee UI"/>
+        <a:font script="Bopo" typeface="Microsoft JhengHei"/>
+        <a:font script="Java" typeface="Javanese Text"/>
+        <a:font script="Lisu" typeface="Segoe UI"/>
+        <a:font script="Mymr" typeface="Myanmar Text"/>
+        <a:font script="Nkoo" typeface="Ebrima"/>
+        <a:font script="Olck" typeface="Nirmala UI"/>
+        <a:font script="Osma" typeface="Ebrima"/>
+        <a:font script="Phag" typeface="Phagspa"/>
+        <a:font script="Syrn" typeface="Estrangelo Edessa"/>
+        <a:font script="Syrj" typeface="Estrangelo Edessa"/>
+        <a:font script="Syre" typeface="Estrangelo Edessa"/>
+        <a:font script="Sora" typeface="Nirmala UI"/>
+        <a:font script="Tale" typeface="Microsoft Tai Le"/>
+        <a:font script="Talu" typeface="Microsoft New Tai Lue"/>
+        <a:font script="Tfng" typeface="Ebrima"/>
+      </a:minorFont>
+    </a:fontScheme>
+    <a:fmtScheme name="Office">
+      <a:fillStyleLst>
+        <a:solidFill>
+          <a:schemeClr val="phClr"/>
+        </a:solidFill>
+        <a:gradFill rotWithShape="1">
+          <a:gsLst>
+            <a:gs pos="0">
+              <a:schemeClr val="phClr">
+                <a:lumMod val="110000"/>
+                <a:satMod val="105000"/>
+                <a:tint val="67000"/>
+              </a:schemeClr>
+            </a:gs>
+            <a:gs pos="50000">
+              <a:schemeClr val="phClr">
+                <a:lumMod val="105000"/>
+                <a:satMod val="103000"/>
+                <a:tint val="73000"/>
+              </a:schemeClr>
+            </a:gs>
+            <a:gs pos="100000">
+              <a:schemeClr val="phClr">
+                <a:lumMod val="105000"/>
+                <a:satMod val="109000"/>
+                <a:tint val="81000"/>
+              </a:schemeClr>
+            </a:gs>
+          </a:gsLst>
+          <a:lin ang="5400000" scaled="0"/>
+        </a:gradFill>
+        <a:gradFill rotWithShape="1">
+          <a:gsLst>
+            <a:gs pos="0">
+              <a:schemeClr val="phClr">
+                <a:satMod val="103000"/>
+                <a:lumMod val="102000"/>
+                <a:tint val="94000"/>
+              </a:schemeClr>
+            </a:gs>
+            <a:gs pos="50000">
+              <a:schemeClr val="phClr">
+                <a:satMod val="110000"/>
+                <a:lumMod val="100000"/>
+                <a:shade val="100000"/>
+              </a:schemeClr>
+            </a:gs>
+            <a:gs pos="100000">
+              <a:schemeClr val="phClr">
+                <a:lumMod val="99000"/>
+                <a:satMod val="120000"/>
+                <a:shade val="78000"/>
+              </a:schemeClr>
+            </a:gs>
+          </a:gsLst>
+          <a:lin ang="5400000" scaled="0"/>
+        </a:gradFill>
+      </a:fillStyleLst>
+      <a:lnStyleLst>
+        <a:ln w="6350" cap="flat" cmpd="sng" algn="ctr">
+          <a:solidFill>
+            <a:schemeClr val="phClr"/>
+          </a:solidFill>
+          <a:prstDash val="solid"/>
+          <a:miter lim="800000"/>
+        </a:ln>
+        <a:ln w="12700" cap="flat" cmpd="sng" algn="ctr">
+          <a:solidFill>
+            <a:schemeClr val="phClr"/>
+          </a:solidFill>
+          <a:prstDash val="solid"/>
+          <a:miter lim="800000"/>
+        </a:ln>
+        <a:ln w="19050" cap="flat" cmpd="sng" algn="ctr">
+          <a:solidFill>
+            <a:schemeClr val="phClr"/>
+          </a:solidFill>
+          <a:prstDash val="solid"/>
+          <a:miter lim="800000"/>
+        </a:ln>
+      </a:lnStyleLst>
+      <a:effectStyleLst>
+        <a:effectStyle>
+          <a:effectLst/>
+        </a:effectStyle>
+        <a:effectStyle>
+          <a:effectLst/>
+        </a:effectStyle>
+        <a:effectStyle>
+          <a:effectLst>
+            <a:outerShdw blurRad="57150" dist="19050" dir="5400000" algn="ctr" rotWithShape="0">
+              <a:srgbClr val="000000">
+                <a:alpha val="63000"/>
+              </a:srgbClr>
+            </a:outerShdw>
+          </a:effectLst>
+        </a:effectStyle>
+      </a:effectStyleLst>
+      <a:bgFillStyleLst>
+        <a:solidFill>
+          <a:schemeClr val="phClr"/>
+        </a:solidFill>
+        <a:solidFill>
+          <a:schemeClr val="phClr">
+            <a:tint val="95000"/>
+            <a:satMod val="170000"/>
+          </a:schemeClr>
+        </a:solidFill>
+        <a:gradFill rotWithShape="1">
+          <a:gsLst>
+            <a:gs pos="0">
+              <a:schemeClr val="phClr">
+                <a:tint val="93000"/>
+                <a:satMod val="150000"/>
+                <a:shade val="98000"/>
+                <a:lumMod val="102000"/>
+              </a:schemeClr>
+            </a:gs>
+            <a:gs pos="50000">
+              <a:schemeClr val="phClr">
+                <a:tint val="98000"/>
+                <a:satMod val="130000"/>
+                <a:shade val="90000"/>
+                <a:lumMod val="103000"/>
+              </a:schemeClr>
+            </a:gs>
+            <a:gs pos="100000">
+              <a:schemeClr val="phClr">
+                <a:shade val="63000"/>
+                <a:satMod val="120000"/>
+              </a:schemeClr>
+            </a:gs>
+          </a:gsLst>
+          <a:lin ang="5400000" scaled="0"/>
+        </a:gradFill>
+      </a:bgFillStyleLst>
+    </a:fmtScheme>
+  </a:themeElements>
+  <a:objectDefaults/>
+  <a:extraClrSchemeLst/>
+  <a:extLst>
+    <a:ext uri="{05A4C25C-085E-4340-85A3-A5531E510DB2}">
+      <thm15:themeFamily xmlns:thm15="http://schemas.microsoft.com/office/thememl/2012/main" name="Office Theme" id="{62F939B6-93AF-4DB8-9C6B-D6C7DFDC589F}" vid="{4A3C46E8-61CC-4603-A589-7422A47A8E4A}"/>
+    </a:ext>
+  </a:extLst>
+</a:theme>
 </file>